--- a/presentazione.pptx
+++ b/presentazione.pptx
@@ -5,18 +5,19 @@
     <p:sldMasterId id="2147483660" r:id="rId1"/>
   </p:sldMasterIdLst>
   <p:notesMasterIdLst>
-    <p:notesMasterId r:id="rId11"/>
+    <p:notesMasterId r:id="rId12"/>
   </p:notesMasterIdLst>
   <p:sldIdLst>
     <p:sldId id="256" r:id="rId2"/>
     <p:sldId id="258" r:id="rId3"/>
     <p:sldId id="259" r:id="rId4"/>
-    <p:sldId id="261" r:id="rId5"/>
-    <p:sldId id="262" r:id="rId6"/>
-    <p:sldId id="263" r:id="rId7"/>
-    <p:sldId id="264" r:id="rId8"/>
-    <p:sldId id="265" r:id="rId9"/>
-    <p:sldId id="257" r:id="rId10"/>
+    <p:sldId id="266" r:id="rId5"/>
+    <p:sldId id="261" r:id="rId6"/>
+    <p:sldId id="262" r:id="rId7"/>
+    <p:sldId id="263" r:id="rId8"/>
+    <p:sldId id="264" r:id="rId9"/>
+    <p:sldId id="265" r:id="rId10"/>
+    <p:sldId id="257" r:id="rId11"/>
   </p:sldIdLst>
   <p:sldSz cx="12192000" cy="6858000"/>
   <p:notesSz cx="6858000" cy="9144000"/>
@@ -205,7 +206,7 @@
           <a:p>
             <a:fld id="{A9B7D7B9-A1AC-4760-8B6C-AC2D2FEFCD47}" type="datetimeFigureOut">
               <a:rPr lang="it-IT" smtClean="0"/>
-              <a:t>08/04/2019</a:t>
+              <a:t>09/04/2019</a:t>
             </a:fld>
             <a:endParaRPr lang="it-IT"/>
           </a:p>
@@ -974,7 +975,7 @@
           <a:p>
             <a:fld id="{389AF39D-A1A6-477D-8F91-00B61A1118B5}" type="datetime1">
               <a:rPr lang="it-IT" smtClean="0"/>
-              <a:t>08/04/2019</a:t>
+              <a:t>09/04/2019</a:t>
             </a:fld>
             <a:endParaRPr lang="it-IT"/>
           </a:p>
@@ -1270,7 +1271,7 @@
           <a:p>
             <a:fld id="{67D3F134-51D2-4163-85C6-D23BE48C0775}" type="datetime1">
               <a:rPr lang="it-IT" smtClean="0"/>
-              <a:t>08/04/2019</a:t>
+              <a:t>09/04/2019</a:t>
             </a:fld>
             <a:endParaRPr lang="it-IT"/>
           </a:p>
@@ -1518,7 +1519,7 @@
           <a:p>
             <a:fld id="{E6B8EE59-E32F-4D6B-8543-685E29706305}" type="datetime1">
               <a:rPr lang="it-IT" smtClean="0"/>
-              <a:t>08/04/2019</a:t>
+              <a:t>09/04/2019</a:t>
             </a:fld>
             <a:endParaRPr lang="it-IT"/>
           </a:p>
@@ -2058,7 +2059,7 @@
           <a:p>
             <a:fld id="{BED284C5-F324-4693-B1A5-ECFC343285E5}" type="datetime1">
               <a:rPr lang="it-IT" smtClean="0"/>
-              <a:t>08/04/2019</a:t>
+              <a:t>09/04/2019</a:t>
             </a:fld>
             <a:endParaRPr lang="it-IT"/>
           </a:p>
@@ -2306,7 +2307,7 @@
           <a:p>
             <a:fld id="{32CEF868-9E66-41CB-8306-2E67C5011CA8}" type="datetime1">
               <a:rPr lang="it-IT" smtClean="0"/>
-              <a:t>08/04/2019</a:t>
+              <a:t>09/04/2019</a:t>
             </a:fld>
             <a:endParaRPr lang="it-IT"/>
           </a:p>
@@ -2838,7 +2839,7 @@
           <a:p>
             <a:fld id="{B52F27F9-F3D2-4BDE-A587-EB5005CE0B59}" type="datetime1">
               <a:rPr lang="it-IT" smtClean="0"/>
-              <a:t>08/04/2019</a:t>
+              <a:t>09/04/2019</a:t>
             </a:fld>
             <a:endParaRPr lang="it-IT"/>
           </a:p>
@@ -3135,7 +3136,7 @@
           <a:p>
             <a:fld id="{58842364-E5D9-441F-85E9-B0EFDB9989E0}" type="datetime1">
               <a:rPr lang="it-IT" smtClean="0"/>
-              <a:t>08/04/2019</a:t>
+              <a:t>09/04/2019</a:t>
             </a:fld>
             <a:endParaRPr lang="it-IT"/>
           </a:p>
@@ -3309,7 +3310,7 @@
           <a:p>
             <a:fld id="{CA542605-1231-41A2-9F24-E03E4340D76A}" type="datetime1">
               <a:rPr lang="it-IT" smtClean="0"/>
-              <a:t>08/04/2019</a:t>
+              <a:t>09/04/2019</a:t>
             </a:fld>
             <a:endParaRPr lang="it-IT"/>
           </a:p>
@@ -3489,7 +3490,7 @@
           <a:p>
             <a:fld id="{AB39F6AC-F94A-4B35-B096-A9F67932D1E9}" type="datetime1">
               <a:rPr lang="it-IT" smtClean="0"/>
-              <a:t>08/04/2019</a:t>
+              <a:t>09/04/2019</a:t>
             </a:fld>
             <a:endParaRPr lang="it-IT"/>
           </a:p>
@@ -3659,7 +3660,7 @@
           <a:p>
             <a:fld id="{465C28B0-EF1D-4ADE-BE20-AEEF67A6B756}" type="datetime1">
               <a:rPr lang="it-IT" smtClean="0"/>
-              <a:t>08/04/2019</a:t>
+              <a:t>09/04/2019</a:t>
             </a:fld>
             <a:endParaRPr lang="it-IT"/>
           </a:p>
@@ -3910,7 +3911,7 @@
           <a:p>
             <a:fld id="{4E22FC76-20FB-4FFE-AEE2-D8FE2C139D5B}" type="datetime1">
               <a:rPr lang="it-IT" smtClean="0"/>
-              <a:t>08/04/2019</a:t>
+              <a:t>09/04/2019</a:t>
             </a:fld>
             <a:endParaRPr lang="it-IT"/>
           </a:p>
@@ -4207,7 +4208,7 @@
           <a:p>
             <a:fld id="{326317AE-C0D7-4863-BEFB-3E353F9A0FDC}" type="datetime1">
               <a:rPr lang="it-IT" smtClean="0"/>
-              <a:t>08/04/2019</a:t>
+              <a:t>09/04/2019</a:t>
             </a:fld>
             <a:endParaRPr lang="it-IT"/>
           </a:p>
@@ -4649,7 +4650,7 @@
           <a:p>
             <a:fld id="{BFF1C4EF-9DC6-4466-AF3F-488872922599}" type="datetime1">
               <a:rPr lang="it-IT" smtClean="0"/>
-              <a:t>08/04/2019</a:t>
+              <a:t>09/04/2019</a:t>
             </a:fld>
             <a:endParaRPr lang="it-IT"/>
           </a:p>
@@ -4767,7 +4768,7 @@
           <a:p>
             <a:fld id="{930D958D-3814-49DD-8EE5-F17CBA8A32C2}" type="datetime1">
               <a:rPr lang="it-IT" smtClean="0"/>
-              <a:t>08/04/2019</a:t>
+              <a:t>09/04/2019</a:t>
             </a:fld>
             <a:endParaRPr lang="it-IT"/>
           </a:p>
@@ -4862,7 +4863,7 @@
           <a:p>
             <a:fld id="{3A671740-1C2E-4C27-A508-AF557E3321ED}" type="datetime1">
               <a:rPr lang="it-IT" smtClean="0"/>
-              <a:t>08/04/2019</a:t>
+              <a:t>09/04/2019</a:t>
             </a:fld>
             <a:endParaRPr lang="it-IT"/>
           </a:p>
@@ -5145,7 +5146,7 @@
           <a:p>
             <a:fld id="{82E8EF9B-FE7A-4CA3-BDA1-6ACC9062DA9E}" type="datetime1">
               <a:rPr lang="it-IT" smtClean="0"/>
-              <a:t>08/04/2019</a:t>
+              <a:t>09/04/2019</a:t>
             </a:fld>
             <a:endParaRPr lang="it-IT"/>
           </a:p>
@@ -5436,7 +5437,7 @@
           <a:p>
             <a:fld id="{C9A9B396-1AD5-4D72-A8EE-935E8487A9F7}" type="datetime1">
               <a:rPr lang="it-IT" smtClean="0"/>
-              <a:t>08/04/2019</a:t>
+              <a:t>09/04/2019</a:t>
             </a:fld>
             <a:endParaRPr lang="it-IT"/>
           </a:p>
@@ -5966,7 +5967,7 @@
           <a:p>
             <a:fld id="{2B86AC30-FA4B-4317-8CD4-C63B5D310D98}" type="datetime1">
               <a:rPr lang="it-IT" smtClean="0"/>
-              <a:t>08/04/2019</a:t>
+              <a:t>09/04/2019</a:t>
             </a:fld>
             <a:endParaRPr lang="it-IT"/>
           </a:p>
@@ -6656,6 +6657,113 @@
 </p:sld>
 </file>
 
+<file path=ppt/slides/slide10.xml><?xml version="1.0" encoding="utf-8"?>
+<p:sld xmlns:a="http://schemas.openxmlformats.org/drawingml/2006/main" xmlns:r="http://schemas.openxmlformats.org/officeDocument/2006/relationships" xmlns:p="http://schemas.openxmlformats.org/presentationml/2006/main">
+  <p:cSld>
+    <p:spTree>
+      <p:nvGrpSpPr>
+        <p:cNvPr id="1" name=""/>
+        <p:cNvGrpSpPr/>
+        <p:nvPr/>
+      </p:nvGrpSpPr>
+      <p:grpSpPr>
+        <a:xfrm>
+          <a:off x="0" y="0"/>
+          <a:ext cx="0" cy="0"/>
+          <a:chOff x="0" y="0"/>
+          <a:chExt cx="0" cy="0"/>
+        </a:xfrm>
+      </p:grpSpPr>
+      <p:sp>
+        <p:nvSpPr>
+          <p:cNvPr id="3" name="CasellaDiTesto 2">
+            <a:extLst>
+              <a:ext uri="{FF2B5EF4-FFF2-40B4-BE49-F238E27FC236}">
+                <a16:creationId xmlns:a16="http://schemas.microsoft.com/office/drawing/2014/main" id="{FD66E932-0B02-4FB1-AFB3-CB5367C518E5}"/>
+              </a:ext>
+            </a:extLst>
+          </p:cNvPr>
+          <p:cNvSpPr txBox="1"/>
+          <p:nvPr/>
+        </p:nvSpPr>
+        <p:spPr>
+          <a:xfrm>
+            <a:off x="2901490" y="2649650"/>
+            <a:ext cx="7229954" cy="923330"/>
+          </a:xfrm>
+          <a:prstGeom prst="rect">
+            <a:avLst/>
+          </a:prstGeom>
+          <a:noFill/>
+        </p:spPr>
+        <p:txBody>
+          <a:bodyPr wrap="square" rtlCol="0">
+            <a:spAutoFit/>
+          </a:bodyPr>
+          <a:lstStyle/>
+          <a:p>
+            <a:r>
+              <a:rPr lang="it-IT" sz="5400" b="1" dirty="0">
+                <a:solidFill>
+                  <a:srgbClr val="009BD2"/>
+                </a:solidFill>
+              </a:rPr>
+              <a:t>Grazie per l’attenzione</a:t>
+            </a:r>
+            <a:endParaRPr lang="it-IT" sz="5400" dirty="0"/>
+          </a:p>
+        </p:txBody>
+      </p:sp>
+      <p:sp>
+        <p:nvSpPr>
+          <p:cNvPr id="4" name="Segnaposto numero diapositiva 3">
+            <a:extLst>
+              <a:ext uri="{FF2B5EF4-FFF2-40B4-BE49-F238E27FC236}">
+                <a16:creationId xmlns:a16="http://schemas.microsoft.com/office/drawing/2014/main" id="{A6EA07AC-0F53-4E2B-BD04-797917D67607}"/>
+              </a:ext>
+            </a:extLst>
+          </p:cNvPr>
+          <p:cNvSpPr>
+            <a:spLocks noGrp="1"/>
+          </p:cNvSpPr>
+          <p:nvPr>
+            <p:ph type="sldNum" sz="quarter" idx="12"/>
+          </p:nvPr>
+        </p:nvSpPr>
+        <p:spPr/>
+        <p:txBody>
+          <a:bodyPr/>
+          <a:lstStyle/>
+          <a:p>
+            <a:fld id="{4BAFB39E-51AB-43CA-9543-27CB45208FF8}" type="slidenum">
+              <a:rPr lang="it-IT" sz="2800" smtClean="0">
+                <a:solidFill>
+                  <a:srgbClr val="009BD2"/>
+                </a:solidFill>
+              </a:rPr>
+              <a:t>10</a:t>
+            </a:fld>
+            <a:endParaRPr lang="it-IT" sz="2800" dirty="0">
+              <a:solidFill>
+                <a:srgbClr val="009BD2"/>
+              </a:solidFill>
+            </a:endParaRPr>
+          </a:p>
+        </p:txBody>
+      </p:sp>
+    </p:spTree>
+    <p:extLst>
+      <p:ext uri="{BB962C8B-B14F-4D97-AF65-F5344CB8AC3E}">
+        <p14:creationId xmlns:p14="http://schemas.microsoft.com/office/powerpoint/2010/main" val="3860719143"/>
+      </p:ext>
+    </p:extLst>
+  </p:cSld>
+  <p:clrMapOvr>
+    <a:masterClrMapping/>
+  </p:clrMapOvr>
+</p:sld>
+</file>
+
 <file path=ppt/slides/slide2.xml><?xml version="1.0" encoding="utf-8"?>
 <p:sld xmlns:a="http://schemas.openxmlformats.org/drawingml/2006/main" xmlns:r="http://schemas.openxmlformats.org/officeDocument/2006/relationships" xmlns:p="http://schemas.openxmlformats.org/presentationml/2006/main">
   <p:cSld>
@@ -8126,6 +8234,399 @@
           <p:cNvPr id="2" name="Titolo 1">
             <a:extLst>
               <a:ext uri="{FF2B5EF4-FFF2-40B4-BE49-F238E27FC236}">
+                <a16:creationId xmlns:a16="http://schemas.microsoft.com/office/drawing/2014/main" id="{8CDA6E90-2408-4210-A2D1-309342479105}"/>
+              </a:ext>
+            </a:extLst>
+          </p:cNvPr>
+          <p:cNvSpPr>
+            <a:spLocks noGrp="1"/>
+          </p:cNvSpPr>
+          <p:nvPr>
+            <p:ph type="title"/>
+          </p:nvPr>
+        </p:nvSpPr>
+        <p:spPr>
+          <a:xfrm>
+            <a:off x="1208726" y="172324"/>
+            <a:ext cx="10018713" cy="874552"/>
+          </a:xfrm>
+        </p:spPr>
+        <p:txBody>
+          <a:bodyPr/>
+          <a:lstStyle/>
+          <a:p>
+            <a:r>
+              <a:rPr lang="it-IT" b="1" dirty="0">
+                <a:solidFill>
+                  <a:srgbClr val="009BD2"/>
+                </a:solidFill>
+              </a:rPr>
+              <a:t>Metriche</a:t>
+            </a:r>
+            <a:endParaRPr lang="it-IT" dirty="0"/>
+          </a:p>
+        </p:txBody>
+      </p:sp>
+      <p:sp>
+        <p:nvSpPr>
+          <p:cNvPr id="3" name="Segnaposto numero diapositiva 2">
+            <a:extLst>
+              <a:ext uri="{FF2B5EF4-FFF2-40B4-BE49-F238E27FC236}">
+                <a16:creationId xmlns:a16="http://schemas.microsoft.com/office/drawing/2014/main" id="{DB5450EE-0A66-4B60-BAE1-525E00D30EE5}"/>
+              </a:ext>
+            </a:extLst>
+          </p:cNvPr>
+          <p:cNvSpPr>
+            <a:spLocks noGrp="1"/>
+          </p:cNvSpPr>
+          <p:nvPr>
+            <p:ph type="sldNum" sz="quarter" idx="12"/>
+          </p:nvPr>
+        </p:nvSpPr>
+        <p:spPr/>
+        <p:txBody>
+          <a:bodyPr/>
+          <a:lstStyle/>
+          <a:p>
+            <a:fld id="{4BAFB39E-51AB-43CA-9543-27CB45208FF8}" type="slidenum">
+              <a:rPr lang="it-IT" sz="2800">
+                <a:solidFill>
+                  <a:srgbClr val="009BD2"/>
+                </a:solidFill>
+              </a:rPr>
+              <a:pPr/>
+              <a:t>4</a:t>
+            </a:fld>
+            <a:endParaRPr lang="it-IT" sz="2800" dirty="0"/>
+          </a:p>
+        </p:txBody>
+      </p:sp>
+      <p:sp>
+        <p:nvSpPr>
+          <p:cNvPr id="4" name="CasellaDiTesto 3">
+            <a:extLst>
+              <a:ext uri="{FF2B5EF4-FFF2-40B4-BE49-F238E27FC236}">
+                <a16:creationId xmlns:a16="http://schemas.microsoft.com/office/drawing/2014/main" id="{0C9C9DC3-9185-4BE5-A88C-C1EED1541A03}"/>
+              </a:ext>
+            </a:extLst>
+          </p:cNvPr>
+          <p:cNvSpPr txBox="1"/>
+          <p:nvPr/>
+        </p:nvSpPr>
+        <p:spPr>
+          <a:xfrm>
+            <a:off x="2055303" y="1621872"/>
+            <a:ext cx="3531765" cy="3894015"/>
+          </a:xfrm>
+          <a:prstGeom prst="rect">
+            <a:avLst/>
+          </a:prstGeom>
+          <a:noFill/>
+        </p:spPr>
+        <p:txBody>
+          <a:bodyPr wrap="square" rtlCol="0">
+            <a:spAutoFit/>
+          </a:bodyPr>
+          <a:lstStyle/>
+          <a:p>
+            <a:pPr marL="457200" indent="-457200">
+              <a:lnSpc>
+                <a:spcPct val="300000"/>
+              </a:lnSpc>
+              <a:buFont typeface="Arial" panose="020B0604020202020204" pitchFamily="34" charset="0"/>
+              <a:buChar char="•"/>
+            </a:pPr>
+            <a:r>
+              <a:rPr lang="it-IT" sz="3200" dirty="0"/>
+              <a:t>Singolo articolo</a:t>
+            </a:r>
+          </a:p>
+          <a:p>
+            <a:pPr marL="457200" indent="-457200">
+              <a:lnSpc>
+                <a:spcPct val="600000"/>
+              </a:lnSpc>
+              <a:buFont typeface="Arial" panose="020B0604020202020204" pitchFamily="34" charset="0"/>
+              <a:buChar char="•"/>
+            </a:pPr>
+            <a:r>
+              <a:rPr lang="it-IT" sz="3200" dirty="0"/>
+              <a:t>Fine ricerca</a:t>
+            </a:r>
+          </a:p>
+        </p:txBody>
+      </p:sp>
+      <p:cxnSp>
+        <p:nvCxnSpPr>
+          <p:cNvPr id="6" name="Connettore 2 5">
+            <a:extLst>
+              <a:ext uri="{FF2B5EF4-FFF2-40B4-BE49-F238E27FC236}">
+                <a16:creationId xmlns:a16="http://schemas.microsoft.com/office/drawing/2014/main" id="{DF9ED5E6-ADA2-408C-A391-ED1AD7357D64}"/>
+              </a:ext>
+            </a:extLst>
+          </p:cNvPr>
+          <p:cNvCxnSpPr>
+            <a:cxnSpLocks/>
+          </p:cNvCxnSpPr>
+          <p:nvPr/>
+        </p:nvCxnSpPr>
+        <p:spPr>
+          <a:xfrm flipV="1">
+            <a:off x="5494789" y="1845578"/>
+            <a:ext cx="1451295" cy="729842"/>
+          </a:xfrm>
+          <a:prstGeom prst="straightConnector1">
+            <a:avLst/>
+          </a:prstGeom>
+          <a:ln>
+            <a:tailEnd type="triangle"/>
+          </a:ln>
+        </p:spPr>
+        <p:style>
+          <a:lnRef idx="2">
+            <a:schemeClr val="dk1"/>
+          </a:lnRef>
+          <a:fillRef idx="0">
+            <a:schemeClr val="dk1"/>
+          </a:fillRef>
+          <a:effectRef idx="1">
+            <a:schemeClr val="dk1"/>
+          </a:effectRef>
+          <a:fontRef idx="minor">
+            <a:schemeClr val="tx1"/>
+          </a:fontRef>
+        </p:style>
+      </p:cxnSp>
+      <p:cxnSp>
+        <p:nvCxnSpPr>
+          <p:cNvPr id="7" name="Connettore 2 6">
+            <a:extLst>
+              <a:ext uri="{FF2B5EF4-FFF2-40B4-BE49-F238E27FC236}">
+                <a16:creationId xmlns:a16="http://schemas.microsoft.com/office/drawing/2014/main" id="{AA668D2A-A995-49F0-92F9-DF49B7062E4C}"/>
+              </a:ext>
+            </a:extLst>
+          </p:cNvPr>
+          <p:cNvCxnSpPr>
+            <a:cxnSpLocks/>
+          </p:cNvCxnSpPr>
+          <p:nvPr/>
+        </p:nvCxnSpPr>
+        <p:spPr>
+          <a:xfrm>
+            <a:off x="5494789" y="2793534"/>
+            <a:ext cx="1451295" cy="635466"/>
+          </a:xfrm>
+          <a:prstGeom prst="straightConnector1">
+            <a:avLst/>
+          </a:prstGeom>
+          <a:ln>
+            <a:tailEnd type="triangle"/>
+          </a:ln>
+        </p:spPr>
+        <p:style>
+          <a:lnRef idx="2">
+            <a:schemeClr val="dk1"/>
+          </a:lnRef>
+          <a:fillRef idx="0">
+            <a:schemeClr val="dk1"/>
+          </a:fillRef>
+          <a:effectRef idx="1">
+            <a:schemeClr val="dk1"/>
+          </a:effectRef>
+          <a:fontRef idx="minor">
+            <a:schemeClr val="tx1"/>
+          </a:fontRef>
+        </p:style>
+      </p:cxnSp>
+      <p:cxnSp>
+        <p:nvCxnSpPr>
+          <p:cNvPr id="10" name="Connettore 2 9">
+            <a:extLst>
+              <a:ext uri="{FF2B5EF4-FFF2-40B4-BE49-F238E27FC236}">
+                <a16:creationId xmlns:a16="http://schemas.microsoft.com/office/drawing/2014/main" id="{F4652227-BD98-46DF-A734-4BF23BECA9E3}"/>
+              </a:ext>
+            </a:extLst>
+          </p:cNvPr>
+          <p:cNvCxnSpPr>
+            <a:cxnSpLocks/>
+          </p:cNvCxnSpPr>
+          <p:nvPr/>
+        </p:nvCxnSpPr>
+        <p:spPr>
+          <a:xfrm>
+            <a:off x="5176007" y="5244517"/>
+            <a:ext cx="1870745" cy="0"/>
+          </a:xfrm>
+          <a:prstGeom prst="straightConnector1">
+            <a:avLst/>
+          </a:prstGeom>
+          <a:ln>
+            <a:tailEnd type="triangle"/>
+          </a:ln>
+        </p:spPr>
+        <p:style>
+          <a:lnRef idx="2">
+            <a:schemeClr val="dk1"/>
+          </a:lnRef>
+          <a:fillRef idx="0">
+            <a:schemeClr val="dk1"/>
+          </a:fillRef>
+          <a:effectRef idx="1">
+            <a:schemeClr val="dk1"/>
+          </a:effectRef>
+          <a:fontRef idx="minor">
+            <a:schemeClr val="tx1"/>
+          </a:fontRef>
+        </p:style>
+      </p:cxnSp>
+      <p:sp>
+        <p:nvSpPr>
+          <p:cNvPr id="12" name="CasellaDiTesto 11">
+            <a:extLst>
+              <a:ext uri="{FF2B5EF4-FFF2-40B4-BE49-F238E27FC236}">
+                <a16:creationId xmlns:a16="http://schemas.microsoft.com/office/drawing/2014/main" id="{73B0D29C-C3C9-4CE5-A1C0-4A2F9F9524F5}"/>
+              </a:ext>
+            </a:extLst>
+          </p:cNvPr>
+          <p:cNvSpPr txBox="1"/>
+          <p:nvPr/>
+        </p:nvSpPr>
+        <p:spPr>
+          <a:xfrm>
+            <a:off x="7155809" y="1392572"/>
+            <a:ext cx="4347214" cy="1077218"/>
+          </a:xfrm>
+          <a:prstGeom prst="rect">
+            <a:avLst/>
+          </a:prstGeom>
+          <a:noFill/>
+        </p:spPr>
+        <p:txBody>
+          <a:bodyPr wrap="square" rtlCol="0">
+            <a:spAutoFit/>
+          </a:bodyPr>
+          <a:lstStyle/>
+          <a:p>
+            <a:r>
+              <a:rPr lang="it-IT" sz="3200" dirty="0"/>
+              <a:t>soglia minima sul numero di citazioni (500)</a:t>
+            </a:r>
+          </a:p>
+        </p:txBody>
+      </p:sp>
+      <p:sp>
+        <p:nvSpPr>
+          <p:cNvPr id="14" name="CasellaDiTesto 13">
+            <a:extLst>
+              <a:ext uri="{FF2B5EF4-FFF2-40B4-BE49-F238E27FC236}">
+                <a16:creationId xmlns:a16="http://schemas.microsoft.com/office/drawing/2014/main" id="{E9FC7FA4-88F3-4DB5-BE67-83AC4025DACF}"/>
+              </a:ext>
+            </a:extLst>
+          </p:cNvPr>
+          <p:cNvSpPr txBox="1"/>
+          <p:nvPr/>
+        </p:nvSpPr>
+        <p:spPr>
+          <a:xfrm>
+            <a:off x="7155809" y="2890391"/>
+            <a:ext cx="3531765" cy="1077218"/>
+          </a:xfrm>
+          <a:prstGeom prst="rect">
+            <a:avLst/>
+          </a:prstGeom>
+          <a:noFill/>
+        </p:spPr>
+        <p:txBody>
+          <a:bodyPr wrap="square" rtlCol="0">
+            <a:spAutoFit/>
+          </a:bodyPr>
+          <a:lstStyle/>
+          <a:p>
+            <a:r>
+              <a:rPr lang="it-IT" sz="3200" dirty="0"/>
+              <a:t>% numero di citazioni </a:t>
+            </a:r>
+            <a:r>
+              <a:rPr lang="it-IT" sz="3200" dirty="0" err="1"/>
+              <a:t>max</a:t>
+            </a:r>
+            <a:r>
+              <a:rPr lang="it-IT" sz="3200" dirty="0"/>
+              <a:t> (50%)</a:t>
+            </a:r>
+          </a:p>
+        </p:txBody>
+      </p:sp>
+      <p:sp>
+        <p:nvSpPr>
+          <p:cNvPr id="22" name="CasellaDiTesto 21">
+            <a:extLst>
+              <a:ext uri="{FF2B5EF4-FFF2-40B4-BE49-F238E27FC236}">
+                <a16:creationId xmlns:a16="http://schemas.microsoft.com/office/drawing/2014/main" id="{455CB6BF-0CCE-4F78-8F1E-5AEFFDA1715F}"/>
+              </a:ext>
+            </a:extLst>
+          </p:cNvPr>
+          <p:cNvSpPr txBox="1"/>
+          <p:nvPr/>
+        </p:nvSpPr>
+        <p:spPr>
+          <a:xfrm>
+            <a:off x="7239698" y="4705908"/>
+            <a:ext cx="3363985" cy="1077218"/>
+          </a:xfrm>
+          <a:prstGeom prst="rect">
+            <a:avLst/>
+          </a:prstGeom>
+          <a:noFill/>
+        </p:spPr>
+        <p:txBody>
+          <a:bodyPr wrap="square" rtlCol="0">
+            <a:spAutoFit/>
+          </a:bodyPr>
+          <a:lstStyle/>
+          <a:p>
+            <a:r>
+              <a:rPr lang="it-IT" sz="3200" dirty="0"/>
+              <a:t>articoli collezionati (40-120)</a:t>
+            </a:r>
+          </a:p>
+        </p:txBody>
+      </p:sp>
+    </p:spTree>
+    <p:extLst>
+      <p:ext uri="{BB962C8B-B14F-4D97-AF65-F5344CB8AC3E}">
+        <p14:creationId xmlns:p14="http://schemas.microsoft.com/office/powerpoint/2010/main" val="3351868065"/>
+      </p:ext>
+    </p:extLst>
+  </p:cSld>
+  <p:clrMapOvr>
+    <a:masterClrMapping/>
+  </p:clrMapOvr>
+</p:sld>
+</file>
+
+<file path=ppt/slides/slide5.xml><?xml version="1.0" encoding="utf-8"?>
+<p:sld xmlns:a="http://schemas.openxmlformats.org/drawingml/2006/main" xmlns:r="http://schemas.openxmlformats.org/officeDocument/2006/relationships" xmlns:p="http://schemas.openxmlformats.org/presentationml/2006/main">
+  <p:cSld>
+    <p:spTree>
+      <p:nvGrpSpPr>
+        <p:cNvPr id="1" name=""/>
+        <p:cNvGrpSpPr/>
+        <p:nvPr/>
+      </p:nvGrpSpPr>
+      <p:grpSpPr>
+        <a:xfrm>
+          <a:off x="0" y="0"/>
+          <a:ext cx="0" cy="0"/>
+          <a:chOff x="0" y="0"/>
+          <a:chExt cx="0" cy="0"/>
+        </a:xfrm>
+      </p:grpSpPr>
+      <p:sp>
+        <p:nvSpPr>
+          <p:cNvPr id="2" name="Titolo 1">
+            <a:extLst>
+              <a:ext uri="{FF2B5EF4-FFF2-40B4-BE49-F238E27FC236}">
                 <a16:creationId xmlns:a16="http://schemas.microsoft.com/office/drawing/2014/main" id="{CA39F53C-B36E-4A0C-B2E0-C94C8662AB1D}"/>
               </a:ext>
             </a:extLst>
@@ -8205,7 +8706,7 @@
                 </a:solidFill>
               </a:rPr>
               <a:pPr/>
-              <a:t>4</a:t>
+              <a:t>5</a:t>
             </a:fld>
             <a:endParaRPr lang="it-IT" sz="2800" dirty="0">
               <a:solidFill>
@@ -9877,7 +10378,7 @@
           <a:prstGeom prst="rightBrace">
             <a:avLst>
               <a:gd name="adj1" fmla="val 8333"/>
-              <a:gd name="adj2" fmla="val 65528"/>
+              <a:gd name="adj2" fmla="val 75285"/>
             </a:avLst>
           </a:prstGeom>
         </p:spPr>
@@ -9918,7 +10419,7 @@
         </p:nvSpPr>
         <p:spPr>
           <a:xfrm>
-            <a:off x="3101730" y="4015019"/>
+            <a:off x="2402355" y="4015019"/>
             <a:ext cx="192947" cy="178965"/>
           </a:xfrm>
           <a:prstGeom prst="ellipse">
@@ -9972,7 +10473,7 @@
         </p:nvSpPr>
         <p:spPr>
           <a:xfrm>
-            <a:off x="2816504" y="4412097"/>
+            <a:off x="2117129" y="4412097"/>
             <a:ext cx="192947" cy="178965"/>
           </a:xfrm>
           <a:prstGeom prst="ellipse">
@@ -10029,7 +10530,7 @@
         </p:nvSpPr>
         <p:spPr>
           <a:xfrm>
-            <a:off x="3386956" y="4412097"/>
+            <a:off x="2687581" y="4412097"/>
             <a:ext cx="192947" cy="178965"/>
           </a:xfrm>
           <a:prstGeom prst="ellipse">
@@ -10083,7 +10584,7 @@
         </p:nvSpPr>
         <p:spPr>
           <a:xfrm>
-            <a:off x="3866784" y="4741021"/>
+            <a:off x="3167409" y="4741021"/>
             <a:ext cx="192947" cy="178965"/>
           </a:xfrm>
           <a:prstGeom prst="ellipse">
@@ -10137,7 +10638,7 @@
         </p:nvSpPr>
         <p:spPr>
           <a:xfrm>
-            <a:off x="4241199" y="4741021"/>
+            <a:off x="3541824" y="4741021"/>
             <a:ext cx="192947" cy="178965"/>
           </a:xfrm>
           <a:prstGeom prst="ellipse">
@@ -10197,7 +10698,7 @@
         </p:nvCxnSpPr>
         <p:spPr>
           <a:xfrm flipH="1" flipV="1">
-            <a:off x="3266421" y="4167775"/>
+            <a:off x="2567046" y="4167775"/>
             <a:ext cx="217009" cy="244322"/>
           </a:xfrm>
           <a:prstGeom prst="straightConnector1">
@@ -10239,7 +10740,7 @@
         </p:nvCxnSpPr>
         <p:spPr>
           <a:xfrm flipV="1">
-            <a:off x="2912978" y="4167775"/>
+            <a:off x="2213603" y="4167775"/>
             <a:ext cx="217008" cy="244322"/>
           </a:xfrm>
           <a:prstGeom prst="straightConnector1">
@@ -10278,7 +10779,7 @@
         </p:nvSpPr>
         <p:spPr>
           <a:xfrm>
-            <a:off x="2552253" y="3838851"/>
+            <a:off x="1852878" y="3838851"/>
             <a:ext cx="2569604" cy="1300293"/>
           </a:xfrm>
           <a:prstGeom prst="rect">
@@ -10333,7 +10834,7 @@
         </p:nvSpPr>
         <p:spPr>
           <a:xfrm>
-            <a:off x="4048252" y="4392443"/>
+            <a:off x="3348877" y="4392443"/>
             <a:ext cx="192947" cy="178965"/>
           </a:xfrm>
           <a:prstGeom prst="ellipse">
@@ -10390,7 +10891,7 @@
         </p:nvSpPr>
         <p:spPr>
           <a:xfrm>
-            <a:off x="4335499" y="4021489"/>
+            <a:off x="3636124" y="4021489"/>
             <a:ext cx="192947" cy="178965"/>
           </a:xfrm>
           <a:prstGeom prst="ellipse">
@@ -10450,7 +10951,7 @@
         </p:nvCxnSpPr>
         <p:spPr>
           <a:xfrm flipV="1">
-            <a:off x="3963258" y="4545199"/>
+            <a:off x="3263883" y="4545199"/>
             <a:ext cx="113250" cy="195822"/>
           </a:xfrm>
           <a:prstGeom prst="straightConnector1">
@@ -10492,7 +10993,7 @@
         </p:nvCxnSpPr>
         <p:spPr>
           <a:xfrm flipH="1" flipV="1">
-            <a:off x="4212943" y="4545199"/>
+            <a:off x="3513568" y="4545199"/>
             <a:ext cx="124730" cy="195822"/>
           </a:xfrm>
           <a:prstGeom prst="straightConnector1">
@@ -10534,7 +11035,7 @@
         </p:nvCxnSpPr>
         <p:spPr>
           <a:xfrm flipV="1">
-            <a:off x="4144726" y="4174245"/>
+            <a:off x="3445351" y="4174245"/>
             <a:ext cx="219029" cy="218198"/>
           </a:xfrm>
           <a:prstGeom prst="straightConnector1">
@@ -10622,12 +11123,17 @@
         </p:blipFill>
         <p:spPr>
           <a:xfrm>
-            <a:off x="5628210" y="3795862"/>
-            <a:ext cx="6299426" cy="1965554"/>
+            <a:off x="5219023" y="3668187"/>
+            <a:ext cx="6708613" cy="2093229"/>
           </a:xfrm>
           <a:prstGeom prst="rect">
             <a:avLst/>
           </a:prstGeom>
+          <a:ln>
+            <a:solidFill>
+              <a:schemeClr val="tx2"/>
+            </a:solidFill>
+          </a:ln>
         </p:spPr>
       </p:pic>
     </p:spTree>
@@ -10643,7 +11149,7 @@
 </p:sld>
 </file>
 
-<file path=ppt/slides/slide5.xml><?xml version="1.0" encoding="utf-8"?>
+<file path=ppt/slides/slide6.xml><?xml version="1.0" encoding="utf-8"?>
 <p:sld xmlns:a="http://schemas.openxmlformats.org/drawingml/2006/main" xmlns:r="http://schemas.openxmlformats.org/officeDocument/2006/relationships" xmlns:p="http://schemas.openxmlformats.org/presentationml/2006/main">
   <p:cSld>
     <p:spTree>
@@ -10726,7 +11232,7 @@
                 </a:solidFill>
               </a:rPr>
               <a:pPr/>
-              <a:t>5</a:t>
+              <a:t>6</a:t>
             </a:fld>
             <a:endParaRPr lang="it-IT" sz="2800" dirty="0"/>
           </a:p>
@@ -11531,7 +12037,7 @@
 </p:sld>
 </file>
 
-<file path=ppt/slides/slide6.xml><?xml version="1.0" encoding="utf-8"?>
+<file path=ppt/slides/slide7.xml><?xml version="1.0" encoding="utf-8"?>
 <p:sld xmlns:a="http://schemas.openxmlformats.org/drawingml/2006/main" xmlns:r="http://schemas.openxmlformats.org/officeDocument/2006/relationships" xmlns:p="http://schemas.openxmlformats.org/presentationml/2006/main">
   <p:cSld>
     <p:spTree>
@@ -11576,7 +12082,7 @@
                 </a:solidFill>
               </a:rPr>
               <a:pPr/>
-              <a:t>6</a:t>
+              <a:t>7</a:t>
             </a:fld>
             <a:endParaRPr lang="it-IT" sz="2800" dirty="0"/>
           </a:p>
@@ -12121,7 +12627,7 @@
 </p:sld>
 </file>
 
-<file path=ppt/slides/slide7.xml><?xml version="1.0" encoding="utf-8"?>
+<file path=ppt/slides/slide8.xml><?xml version="1.0" encoding="utf-8"?>
 <p:sld xmlns:a="http://schemas.openxmlformats.org/drawingml/2006/main" xmlns:r="http://schemas.openxmlformats.org/officeDocument/2006/relationships" xmlns:p="http://schemas.openxmlformats.org/presentationml/2006/main">
   <p:cSld>
     <p:spTree>
@@ -12204,7 +12710,7 @@
                 </a:solidFill>
               </a:rPr>
               <a:pPr/>
-              <a:t>7</a:t>
+              <a:t>8</a:t>
             </a:fld>
             <a:endParaRPr lang="it-IT" sz="2800" dirty="0"/>
           </a:p>
@@ -12280,10 +12786,10 @@
       </p:sp>
       <p:pic>
         <p:nvPicPr>
-          <p:cNvPr id="10" name="Immagine 9">
+          <p:cNvPr id="14" name="Immagine 13">
             <a:extLst>
               <a:ext uri="{FF2B5EF4-FFF2-40B4-BE49-F238E27FC236}">
-                <a16:creationId xmlns:a16="http://schemas.microsoft.com/office/drawing/2014/main" id="{3930377E-95BC-48CB-AA0F-89AED3FEB749}"/>
+                <a16:creationId xmlns:a16="http://schemas.microsoft.com/office/drawing/2014/main" id="{6054EEA4-28FF-4F80-9D46-A7C7AF1AE057}"/>
               </a:ext>
             </a:extLst>
           </p:cNvPr>
@@ -12306,48 +12812,17 @@
         </p:blipFill>
         <p:spPr>
           <a:xfrm>
-            <a:off x="2539184" y="4032468"/>
-            <a:ext cx="7724775" cy="2314575"/>
+            <a:off x="8458658" y="679573"/>
+            <a:ext cx="3382360" cy="2412894"/>
           </a:xfrm>
           <a:prstGeom prst="rect">
             <a:avLst/>
           </a:prstGeom>
-        </p:spPr>
-      </p:pic>
-      <p:pic>
-        <p:nvPicPr>
-          <p:cNvPr id="14" name="Immagine 13">
-            <a:extLst>
-              <a:ext uri="{FF2B5EF4-FFF2-40B4-BE49-F238E27FC236}">
-                <a16:creationId xmlns:a16="http://schemas.microsoft.com/office/drawing/2014/main" id="{6054EEA4-28FF-4F80-9D46-A7C7AF1AE057}"/>
-              </a:ext>
-            </a:extLst>
-          </p:cNvPr>
-          <p:cNvPicPr>
-            <a:picLocks noChangeAspect="1"/>
-          </p:cNvPicPr>
-          <p:nvPr/>
-        </p:nvPicPr>
-        <p:blipFill>
-          <a:blip r:embed="rId3">
-            <a:extLst>
-              <a:ext uri="{28A0092B-C50C-407E-A947-70E740481C1C}">
-                <a14:useLocalDpi xmlns:a14="http://schemas.microsoft.com/office/drawing/2010/main" val="0"/>
-              </a:ext>
-            </a:extLst>
-          </a:blip>
-          <a:stretch>
-            <a:fillRect/>
-          </a:stretch>
-        </p:blipFill>
-        <p:spPr>
-          <a:xfrm>
-            <a:off x="8458658" y="679573"/>
-            <a:ext cx="3382360" cy="2412894"/>
-          </a:xfrm>
-          <a:prstGeom prst="rect">
-            <a:avLst/>
-          </a:prstGeom>
+          <a:ln>
+            <a:solidFill>
+              <a:schemeClr val="tx1"/>
+            </a:solidFill>
+          </a:ln>
         </p:spPr>
       </p:pic>
       <p:cxnSp>
@@ -12432,182 +12907,51 @@
           </a:fontRef>
         </p:style>
       </p:cxnSp>
+      <p:pic>
+        <p:nvPicPr>
+          <p:cNvPr id="11" name="Immagine 10">
+            <a:extLst>
+              <a:ext uri="{FF2B5EF4-FFF2-40B4-BE49-F238E27FC236}">
+                <a16:creationId xmlns:a16="http://schemas.microsoft.com/office/drawing/2014/main" id="{596E766B-5804-4FA8-9571-218B657F73A8}"/>
+              </a:ext>
+            </a:extLst>
+          </p:cNvPr>
+          <p:cNvPicPr>
+            <a:picLocks noChangeAspect="1"/>
+          </p:cNvPicPr>
+          <p:nvPr/>
+        </p:nvPicPr>
+        <p:blipFill>
+          <a:blip r:embed="rId3">
+            <a:extLst>
+              <a:ext uri="{28A0092B-C50C-407E-A947-70E740481C1C}">
+                <a14:useLocalDpi xmlns:a14="http://schemas.microsoft.com/office/drawing/2010/main" val="0"/>
+              </a:ext>
+            </a:extLst>
+          </a:blip>
+          <a:stretch>
+            <a:fillRect/>
+          </a:stretch>
+        </p:blipFill>
+        <p:spPr>
+          <a:xfrm>
+            <a:off x="845327" y="3917664"/>
+            <a:ext cx="11346673" cy="2616123"/>
+          </a:xfrm>
+          <a:prstGeom prst="rect">
+            <a:avLst/>
+          </a:prstGeom>
+          <a:ln>
+            <a:solidFill>
+              <a:schemeClr val="tx1"/>
+            </a:solidFill>
+          </a:ln>
+        </p:spPr>
+      </p:pic>
     </p:spTree>
     <p:extLst>
       <p:ext uri="{BB962C8B-B14F-4D97-AF65-F5344CB8AC3E}">
         <p14:creationId xmlns:p14="http://schemas.microsoft.com/office/powerpoint/2010/main" val="3122520520"/>
-      </p:ext>
-    </p:extLst>
-  </p:cSld>
-  <p:clrMapOvr>
-    <a:masterClrMapping/>
-  </p:clrMapOvr>
-</p:sld>
-</file>
-
-<file path=ppt/slides/slide8.xml><?xml version="1.0" encoding="utf-8"?>
-<p:sld xmlns:a="http://schemas.openxmlformats.org/drawingml/2006/main" xmlns:r="http://schemas.openxmlformats.org/officeDocument/2006/relationships" xmlns:p="http://schemas.openxmlformats.org/presentationml/2006/main">
-  <p:cSld>
-    <p:spTree>
-      <p:nvGrpSpPr>
-        <p:cNvPr id="1" name=""/>
-        <p:cNvGrpSpPr/>
-        <p:nvPr/>
-      </p:nvGrpSpPr>
-      <p:grpSpPr>
-        <a:xfrm>
-          <a:off x="0" y="0"/>
-          <a:ext cx="0" cy="0"/>
-          <a:chOff x="0" y="0"/>
-          <a:chExt cx="0" cy="0"/>
-        </a:xfrm>
-      </p:grpSpPr>
-      <p:sp>
-        <p:nvSpPr>
-          <p:cNvPr id="2" name="Titolo 1">
-            <a:extLst>
-              <a:ext uri="{FF2B5EF4-FFF2-40B4-BE49-F238E27FC236}">
-                <a16:creationId xmlns:a16="http://schemas.microsoft.com/office/drawing/2014/main" id="{613D43A4-1A0E-45A7-8388-242204813827}"/>
-              </a:ext>
-            </a:extLst>
-          </p:cNvPr>
-          <p:cNvSpPr>
-            <a:spLocks noGrp="1"/>
-          </p:cNvSpPr>
-          <p:nvPr>
-            <p:ph type="title"/>
-          </p:nvPr>
-        </p:nvSpPr>
-        <p:spPr>
-          <a:xfrm>
-            <a:off x="1484310" y="176519"/>
-            <a:ext cx="10018713" cy="866162"/>
-          </a:xfrm>
-        </p:spPr>
-        <p:txBody>
-          <a:bodyPr>
-            <a:normAutofit/>
-          </a:bodyPr>
-          <a:lstStyle/>
-          <a:p>
-            <a:r>
-              <a:rPr lang="it-IT" b="1" dirty="0">
-                <a:solidFill>
-                  <a:srgbClr val="009BD2"/>
-                </a:solidFill>
-              </a:rPr>
-              <a:t>Conclusioni</a:t>
-            </a:r>
-            <a:endParaRPr lang="it-IT" dirty="0"/>
-          </a:p>
-        </p:txBody>
-      </p:sp>
-      <p:sp>
-        <p:nvSpPr>
-          <p:cNvPr id="3" name="Segnaposto numero diapositiva 2">
-            <a:extLst>
-              <a:ext uri="{FF2B5EF4-FFF2-40B4-BE49-F238E27FC236}">
-                <a16:creationId xmlns:a16="http://schemas.microsoft.com/office/drawing/2014/main" id="{46557E6E-2245-42E4-AE4D-D171F8E799B6}"/>
-              </a:ext>
-            </a:extLst>
-          </p:cNvPr>
-          <p:cNvSpPr>
-            <a:spLocks noGrp="1"/>
-          </p:cNvSpPr>
-          <p:nvPr>
-            <p:ph type="sldNum" sz="quarter" idx="12"/>
-          </p:nvPr>
-        </p:nvSpPr>
-        <p:spPr/>
-        <p:txBody>
-          <a:bodyPr/>
-          <a:lstStyle/>
-          <a:p>
-            <a:fld id="{4BAFB39E-51AB-43CA-9543-27CB45208FF8}" type="slidenum">
-              <a:rPr lang="it-IT" sz="2800">
-                <a:solidFill>
-                  <a:srgbClr val="009BD2"/>
-                </a:solidFill>
-              </a:rPr>
-              <a:pPr/>
-              <a:t>8</a:t>
-            </a:fld>
-            <a:endParaRPr lang="it-IT" sz="2800" dirty="0"/>
-          </a:p>
-        </p:txBody>
-      </p:sp>
-      <p:sp>
-        <p:nvSpPr>
-          <p:cNvPr id="5" name="CasellaDiTesto 4">
-            <a:extLst>
-              <a:ext uri="{FF2B5EF4-FFF2-40B4-BE49-F238E27FC236}">
-                <a16:creationId xmlns:a16="http://schemas.microsoft.com/office/drawing/2014/main" id="{C863D581-682E-46F1-894C-10CFFF56BF90}"/>
-              </a:ext>
-            </a:extLst>
-          </p:cNvPr>
-          <p:cNvSpPr txBox="1"/>
-          <p:nvPr/>
-        </p:nvSpPr>
-        <p:spPr>
-          <a:xfrm>
-            <a:off x="2466364" y="1367406"/>
-            <a:ext cx="7474591" cy="3586238"/>
-          </a:xfrm>
-          <a:prstGeom prst="rect">
-            <a:avLst/>
-          </a:prstGeom>
-          <a:noFill/>
-        </p:spPr>
-        <p:txBody>
-          <a:bodyPr wrap="square" rtlCol="0">
-            <a:spAutoFit/>
-          </a:bodyPr>
-          <a:lstStyle/>
-          <a:p>
-            <a:pPr marL="457200" indent="-457200">
-              <a:lnSpc>
-                <a:spcPct val="250000"/>
-              </a:lnSpc>
-              <a:buFont typeface="Arial" panose="020B0604020202020204" pitchFamily="34" charset="0"/>
-              <a:buChar char="•"/>
-            </a:pPr>
-            <a:r>
-              <a:rPr lang="it-IT" sz="3200" dirty="0"/>
-              <a:t>Grafo dello stato dell’arte</a:t>
-            </a:r>
-          </a:p>
-          <a:p>
-            <a:pPr marL="457200" indent="-457200">
-              <a:lnSpc>
-                <a:spcPct val="250000"/>
-              </a:lnSpc>
-              <a:buFont typeface="Arial" panose="020B0604020202020204" pitchFamily="34" charset="0"/>
-              <a:buChar char="•"/>
-            </a:pPr>
-            <a:r>
-              <a:rPr lang="it-IT" sz="3200" dirty="0"/>
-              <a:t>Gerarchia dei campi di studio</a:t>
-            </a:r>
-          </a:p>
-          <a:p>
-            <a:pPr marL="457200" indent="-457200">
-              <a:lnSpc>
-                <a:spcPct val="250000"/>
-              </a:lnSpc>
-              <a:buFont typeface="Arial" panose="020B0604020202020204" pitchFamily="34" charset="0"/>
-              <a:buChar char="•"/>
-            </a:pPr>
-            <a:r>
-              <a:rPr lang="it-IT" sz="3200" dirty="0"/>
-              <a:t>Autori più influenti</a:t>
-            </a:r>
-          </a:p>
-        </p:txBody>
-      </p:sp>
-    </p:spTree>
-    <p:extLst>
-      <p:ext uri="{BB962C8B-B14F-4D97-AF65-F5344CB8AC3E}">
-        <p14:creationId xmlns:p14="http://schemas.microsoft.com/office/powerpoint/2010/main" val="2042730639"/>
       </p:ext>
     </p:extLst>
   </p:cSld>
@@ -12636,50 +12980,50 @@
       </p:grpSpPr>
       <p:sp>
         <p:nvSpPr>
-          <p:cNvPr id="3" name="CasellaDiTesto 2">
+          <p:cNvPr id="2" name="Titolo 1">
             <a:extLst>
               <a:ext uri="{FF2B5EF4-FFF2-40B4-BE49-F238E27FC236}">
-                <a16:creationId xmlns:a16="http://schemas.microsoft.com/office/drawing/2014/main" id="{FD66E932-0B02-4FB1-AFB3-CB5367C518E5}"/>
+                <a16:creationId xmlns:a16="http://schemas.microsoft.com/office/drawing/2014/main" id="{613D43A4-1A0E-45A7-8388-242204813827}"/>
               </a:ext>
             </a:extLst>
           </p:cNvPr>
-          <p:cNvSpPr txBox="1"/>
-          <p:nvPr/>
-        </p:nvSpPr>
-        <p:spPr>
-          <a:xfrm>
-            <a:off x="2901490" y="2649650"/>
-            <a:ext cx="7229954" cy="923330"/>
-          </a:xfrm>
-          <a:prstGeom prst="rect">
-            <a:avLst/>
-          </a:prstGeom>
-          <a:noFill/>
-        </p:spPr>
-        <p:txBody>
-          <a:bodyPr wrap="square" rtlCol="0">
-            <a:spAutoFit/>
+          <p:cNvSpPr>
+            <a:spLocks noGrp="1"/>
+          </p:cNvSpPr>
+          <p:nvPr>
+            <p:ph type="title"/>
+          </p:nvPr>
+        </p:nvSpPr>
+        <p:spPr>
+          <a:xfrm>
+            <a:off x="1484310" y="176519"/>
+            <a:ext cx="10018713" cy="866162"/>
+          </a:xfrm>
+        </p:spPr>
+        <p:txBody>
+          <a:bodyPr>
+            <a:normAutofit/>
           </a:bodyPr>
           <a:lstStyle/>
           <a:p>
             <a:r>
-              <a:rPr lang="it-IT" sz="5400" b="1" dirty="0">
+              <a:rPr lang="it-IT" b="1" dirty="0">
                 <a:solidFill>
                   <a:srgbClr val="009BD2"/>
                 </a:solidFill>
               </a:rPr>
-              <a:t>Grazie per l’attenzione</a:t>
-            </a:r>
-            <a:endParaRPr lang="it-IT" sz="5400" dirty="0"/>
-          </a:p>
-        </p:txBody>
-      </p:sp>
-      <p:sp>
-        <p:nvSpPr>
-          <p:cNvPr id="4" name="Segnaposto numero diapositiva 3">
+              <a:t>Conclusioni</a:t>
+            </a:r>
+            <a:endParaRPr lang="it-IT" dirty="0"/>
+          </a:p>
+        </p:txBody>
+      </p:sp>
+      <p:sp>
+        <p:nvSpPr>
+          <p:cNvPr id="3" name="Segnaposto numero diapositiva 2">
             <a:extLst>
               <a:ext uri="{FF2B5EF4-FFF2-40B4-BE49-F238E27FC236}">
-                <a16:creationId xmlns:a16="http://schemas.microsoft.com/office/drawing/2014/main" id="{A6EA07AC-0F53-4E2B-BD04-797917D67607}"/>
+                <a16:creationId xmlns:a16="http://schemas.microsoft.com/office/drawing/2014/main" id="{46557E6E-2245-42E4-AE4D-D171F8E799B6}"/>
               </a:ext>
             </a:extLst>
           </p:cNvPr>
@@ -12696,25 +13040,90 @@
           <a:lstStyle/>
           <a:p>
             <a:fld id="{4BAFB39E-51AB-43CA-9543-27CB45208FF8}" type="slidenum">
-              <a:rPr lang="it-IT" sz="2800" smtClean="0">
+              <a:rPr lang="it-IT" sz="2800">
                 <a:solidFill>
                   <a:srgbClr val="009BD2"/>
                 </a:solidFill>
               </a:rPr>
+              <a:pPr/>
               <a:t>9</a:t>
             </a:fld>
-            <a:endParaRPr lang="it-IT" sz="2800" dirty="0">
-              <a:solidFill>
-                <a:srgbClr val="009BD2"/>
-              </a:solidFill>
-            </a:endParaRPr>
+            <a:endParaRPr lang="it-IT" sz="2800" dirty="0"/>
+          </a:p>
+        </p:txBody>
+      </p:sp>
+      <p:sp>
+        <p:nvSpPr>
+          <p:cNvPr id="5" name="CasellaDiTesto 4">
+            <a:extLst>
+              <a:ext uri="{FF2B5EF4-FFF2-40B4-BE49-F238E27FC236}">
+                <a16:creationId xmlns:a16="http://schemas.microsoft.com/office/drawing/2014/main" id="{C863D581-682E-46F1-894C-10CFFF56BF90}"/>
+              </a:ext>
+            </a:extLst>
+          </p:cNvPr>
+          <p:cNvSpPr txBox="1"/>
+          <p:nvPr/>
+        </p:nvSpPr>
+        <p:spPr>
+          <a:xfrm>
+            <a:off x="2466364" y="1367406"/>
+            <a:ext cx="7474591" cy="3586238"/>
+          </a:xfrm>
+          <a:prstGeom prst="rect">
+            <a:avLst/>
+          </a:prstGeom>
+          <a:noFill/>
+        </p:spPr>
+        <p:txBody>
+          <a:bodyPr wrap="square" rtlCol="0">
+            <a:spAutoFit/>
+          </a:bodyPr>
+          <a:lstStyle/>
+          <a:p>
+            <a:pPr marL="457200" indent="-457200">
+              <a:lnSpc>
+                <a:spcPct val="250000"/>
+              </a:lnSpc>
+              <a:buFont typeface="Arial" panose="020B0604020202020204" pitchFamily="34" charset="0"/>
+              <a:buChar char="•"/>
+            </a:pPr>
+            <a:r>
+              <a:rPr lang="it-IT" sz="3200" dirty="0"/>
+              <a:t>Grafo dello stato dell’arte</a:t>
+            </a:r>
+          </a:p>
+          <a:p>
+            <a:pPr marL="457200" indent="-457200">
+              <a:lnSpc>
+                <a:spcPct val="250000"/>
+              </a:lnSpc>
+              <a:buFont typeface="Arial" panose="020B0604020202020204" pitchFamily="34" charset="0"/>
+              <a:buChar char="•"/>
+            </a:pPr>
+            <a:r>
+              <a:rPr lang="it-IT" sz="3200" dirty="0"/>
+              <a:t>Gerarchia dei campi di studio</a:t>
+            </a:r>
+          </a:p>
+          <a:p>
+            <a:pPr marL="457200" indent="-457200">
+              <a:lnSpc>
+                <a:spcPct val="250000"/>
+              </a:lnSpc>
+              <a:buFont typeface="Arial" panose="020B0604020202020204" pitchFamily="34" charset="0"/>
+              <a:buChar char="•"/>
+            </a:pPr>
+            <a:r>
+              <a:rPr lang="it-IT" sz="3200" dirty="0"/>
+              <a:t>Autori più influenti</a:t>
+            </a:r>
           </a:p>
         </p:txBody>
       </p:sp>
     </p:spTree>
     <p:extLst>
       <p:ext uri="{BB962C8B-B14F-4D97-AF65-F5344CB8AC3E}">
-        <p14:creationId xmlns:p14="http://schemas.microsoft.com/office/powerpoint/2010/main" val="3860719143"/>
+        <p14:creationId xmlns:p14="http://schemas.microsoft.com/office/powerpoint/2010/main" val="2042730639"/>
       </p:ext>
     </p:extLst>
   </p:cSld>
